--- a/mlu-mlta/Lessons/DEV_MLUMLA-EN-M1-L4.pptx
+++ b/mlu-mlta/Lessons/DEV_MLUMLA-EN-M1-L4.pptx
@@ -330,7 +330,7 @@
           <a:p>
             <a:fld id="{88F8C94C-88CD-4A78-8DB2-92A41F10F434}" type="datetimeFigureOut">
               <a:rPr lang="en-US" smtClean="0"/>
-              <a:t>5/9/25</a:t>
+              <a:t>7/22/25</a:t>
             </a:fld>
             <a:endParaRPr lang="en-US" dirty="0"/>
           </a:p>
@@ -9443,7 +9443,7 @@
           <a:p>
             <a:fld id="{BDC0849A-4A5F-4946-BB17-0142FF2F614F}" type="datetimeFigureOut">
               <a:rPr lang="en-US" smtClean="0"/>
-              <a:t>5/9/25</a:t>
+              <a:t>7/22/25</a:t>
             </a:fld>
             <a:endParaRPr lang="en-US"/>
           </a:p>
@@ -14913,8 +14913,13 @@
             </a:pPr>
             <a:r>
               <a:rPr lang="en-US" sz="2400" dirty="0"/>
-              <a:t>Give the model different (new) data.</a:t>
+              <a:t>Give the model different (new</a:t>
             </a:r>
+            <a:r>
+              <a:rPr lang="en-US" sz="2400"/>
+              <a:t>) data</a:t>
+            </a:r>
+            <a:endParaRPr lang="en-US" sz="2400" dirty="0"/>
           </a:p>
           <a:p>
             <a:pPr>
@@ -14930,7 +14935,58 @@
             </a:pPr>
             <a:r>
               <a:rPr lang="en-US" sz="2400" dirty="0"/>
-              <a:t>Adjust hyperparameters to help the model learn.</a:t>
+              <a:t>Adjust hyperparameters to help the model learn</a:t>
+            </a:r>
+          </a:p>
+          <a:p>
+            <a:pPr>
+              <a:lnSpc>
+                <a:spcPct val="100000"/>
+              </a:lnSpc>
+              <a:spcBef>
+                <a:spcPts val="0"/>
+              </a:spcBef>
+              <a:spcAft>
+                <a:spcPts val="1200"/>
+              </a:spcAft>
+            </a:pPr>
+            <a:r>
+              <a:rPr lang="en-US" sz="2400" dirty="0"/>
+              <a:t>Use regularization techniques</a:t>
+            </a:r>
+          </a:p>
+          <a:p>
+            <a:pPr>
+              <a:lnSpc>
+                <a:spcPct val="100000"/>
+              </a:lnSpc>
+              <a:spcBef>
+                <a:spcPts val="0"/>
+              </a:spcBef>
+              <a:spcAft>
+                <a:spcPts val="1200"/>
+              </a:spcAft>
+            </a:pPr>
+            <a:r>
+              <a:rPr lang="en-US" sz="2400" dirty="0"/>
+              <a:t>Preprocess the data</a:t>
+            </a:r>
+          </a:p>
+          <a:p>
+            <a:pPr>
+              <a:lnSpc>
+                <a:spcPct val="100000"/>
+              </a:lnSpc>
+              <a:spcBef>
+                <a:spcPts val="0"/>
+              </a:spcBef>
+              <a:spcAft>
+                <a:spcPts val="1200"/>
+              </a:spcAft>
+            </a:pPr>
+            <a:r>
+              <a:rPr lang="en-US" sz="2400" dirty="0"/>
+              <a:t>Use a different model architecture</a:t>
             </a:r>
           </a:p>
         </p:txBody>
